--- a/Day1/Terraform_1.pptx
+++ b/Day1/Terraform_1.pptx
@@ -8,8 +8,10 @@
     <p:sldId id="256" r:id="rId2"/>
     <p:sldId id="257" r:id="rId3"/>
     <p:sldId id="258" r:id="rId4"/>
-    <p:sldId id="259" r:id="rId5"/>
-    <p:sldId id="260" r:id="rId6"/>
+    <p:sldId id="261" r:id="rId5"/>
+    <p:sldId id="262" r:id="rId6"/>
+    <p:sldId id="259" r:id="rId7"/>
+    <p:sldId id="260" r:id="rId8"/>
   </p:sldIdLst>
   <p:sldSz cx="12192000" cy="6858000"/>
   <p:notesSz cx="6858000" cy="9144000"/>
@@ -108,6 +110,11 @@
       </a:defRPr>
     </a:lvl9pPr>
   </p:defaultTextStyle>
+  <p:extLst>
+    <p:ext uri="{EFAFB233-063F-42B5-8137-9DF3F51BA10A}">
+      <p15:sldGuideLst xmlns:p15="http://schemas.microsoft.com/office/powerpoint/2012/main"/>
+    </p:ext>
+  </p:extLst>
 </p:presentation>
 </file>
 
@@ -443,7 +450,7 @@
             <a:fld id="{B61BEF0D-F0BB-DE4B-95CE-6DB70DBA9567}" type="datetimeFigureOut">
               <a:rPr lang="en-US" dirty="0"/>
               <a:pPr/>
-              <a:t>6/25/20</a:t>
+              <a:t>6/26/20</a:t>
             </a:fld>
             <a:endParaRPr lang="en-US" dirty="0"/>
           </a:p>
@@ -764,7 +771,7 @@
             <a:fld id="{B61BEF0D-F0BB-DE4B-95CE-6DB70DBA9567}" type="datetimeFigureOut">
               <a:rPr lang="en-US" dirty="0"/>
               <a:pPr/>
-              <a:t>6/25/20</a:t>
+              <a:t>6/26/20</a:t>
             </a:fld>
             <a:endParaRPr lang="en-US" dirty="0"/>
           </a:p>
@@ -1009,7 +1016,7 @@
             <a:fld id="{B61BEF0D-F0BB-DE4B-95CE-6DB70DBA9567}" type="datetimeFigureOut">
               <a:rPr lang="en-US" dirty="0"/>
               <a:pPr/>
-              <a:t>6/25/20</a:t>
+              <a:t>6/26/20</a:t>
             </a:fld>
             <a:endParaRPr lang="en-US" dirty="0"/>
           </a:p>
@@ -1345,7 +1352,7 @@
             <a:fld id="{B61BEF0D-F0BB-DE4B-95CE-6DB70DBA9567}" type="datetimeFigureOut">
               <a:rPr lang="en-US" dirty="0"/>
               <a:pPr/>
-              <a:t>6/25/20</a:t>
+              <a:t>6/26/20</a:t>
             </a:fld>
             <a:endParaRPr lang="en-US" dirty="0"/>
           </a:p>
@@ -1689,7 +1696,7 @@
             <a:fld id="{B61BEF0D-F0BB-DE4B-95CE-6DB70DBA9567}" type="datetimeFigureOut">
               <a:rPr lang="en-US" dirty="0"/>
               <a:pPr/>
-              <a:t>6/25/20</a:t>
+              <a:t>6/26/20</a:t>
             </a:fld>
             <a:endParaRPr lang="en-US" dirty="0"/>
           </a:p>
@@ -2060,7 +2067,7 @@
             <a:fld id="{B61BEF0D-F0BB-DE4B-95CE-6DB70DBA9567}" type="datetimeFigureOut">
               <a:rPr lang="en-US" dirty="0"/>
               <a:pPr/>
-              <a:t>6/25/20</a:t>
+              <a:t>6/26/20</a:t>
             </a:fld>
             <a:endParaRPr lang="en-US" dirty="0"/>
           </a:p>
@@ -2527,7 +2534,7 @@
             <a:fld id="{B61BEF0D-F0BB-DE4B-95CE-6DB70DBA9567}" type="datetimeFigureOut">
               <a:rPr lang="en-US" dirty="0"/>
               <a:pPr/>
-              <a:t>6/25/20</a:t>
+              <a:t>6/26/20</a:t>
             </a:fld>
             <a:endParaRPr lang="en-US" dirty="0"/>
           </a:p>
@@ -2729,7 +2736,7 @@
             <a:fld id="{B61BEF0D-F0BB-DE4B-95CE-6DB70DBA9567}" type="datetimeFigureOut">
               <a:rPr lang="en-US" dirty="0"/>
               <a:pPr/>
-              <a:t>6/25/20</a:t>
+              <a:t>6/26/20</a:t>
             </a:fld>
             <a:endParaRPr lang="en-US" dirty="0"/>
           </a:p>
@@ -2937,7 +2944,7 @@
             <a:fld id="{B61BEF0D-F0BB-DE4B-95CE-6DB70DBA9567}" type="datetimeFigureOut">
               <a:rPr lang="en-US" dirty="0"/>
               <a:pPr/>
-              <a:t>6/25/20</a:t>
+              <a:t>6/26/20</a:t>
             </a:fld>
             <a:endParaRPr lang="en-US" dirty="0"/>
           </a:p>
@@ -3165,7 +3172,7 @@
           <a:p>
             <a:fld id="{52647F38-B617-4D2F-AE0A-013F0C4D2C57}" type="datetimeFigureOut">
               <a:rPr lang="en-US" dirty="0"/>
-              <a:t>6/25/20</a:t>
+              <a:t>6/26/20</a:t>
             </a:fld>
             <a:endParaRPr lang="en-US" dirty="0"/>
           </a:p>
@@ -3409,7 +3416,7 @@
             <a:fld id="{B61BEF0D-F0BB-DE4B-95CE-6DB70DBA9567}" type="datetimeFigureOut">
               <a:rPr lang="en-US" dirty="0"/>
               <a:pPr/>
-              <a:t>6/25/20</a:t>
+              <a:t>6/26/20</a:t>
             </a:fld>
             <a:endParaRPr lang="en-US" dirty="0"/>
           </a:p>
@@ -3703,7 +3710,7 @@
           <a:p>
             <a:fld id="{05BFA754-D5C3-4E66-96A6-867B257F58DC}" type="datetimeFigureOut">
               <a:rPr lang="en-US" dirty="0"/>
-              <a:t>6/25/20</a:t>
+              <a:t>6/26/20</a:t>
             </a:fld>
             <a:endParaRPr lang="en-US" dirty="0"/>
           </a:p>
@@ -4093,7 +4100,7 @@
             <a:fld id="{B61BEF0D-F0BB-DE4B-95CE-6DB70DBA9567}" type="datetimeFigureOut">
               <a:rPr lang="en-US" dirty="0"/>
               <a:pPr/>
-              <a:t>6/25/20</a:t>
+              <a:t>6/26/20</a:t>
             </a:fld>
             <a:endParaRPr lang="en-US" dirty="0"/>
           </a:p>
@@ -4239,7 +4246,7 @@
             <a:fld id="{B61BEF0D-F0BB-DE4B-95CE-6DB70DBA9567}" type="datetimeFigureOut">
               <a:rPr lang="en-US" dirty="0"/>
               <a:pPr/>
-              <a:t>6/25/20</a:t>
+              <a:t>6/26/20</a:t>
             </a:fld>
             <a:endParaRPr lang="en-US" dirty="0"/>
           </a:p>
@@ -4362,7 +4369,7 @@
             <a:fld id="{B61BEF0D-F0BB-DE4B-95CE-6DB70DBA9567}" type="datetimeFigureOut">
               <a:rPr lang="en-US" dirty="0"/>
               <a:pPr/>
-              <a:t>6/25/20</a:t>
+              <a:t>6/26/20</a:t>
             </a:fld>
             <a:endParaRPr lang="en-US" dirty="0"/>
           </a:p>
@@ -4614,7 +4621,7 @@
             <a:fld id="{B61BEF0D-F0BB-DE4B-95CE-6DB70DBA9567}" type="datetimeFigureOut">
               <a:rPr lang="en-US" dirty="0"/>
               <a:pPr/>
-              <a:t>6/25/20</a:t>
+              <a:t>6/26/20</a:t>
             </a:fld>
             <a:endParaRPr lang="en-US" dirty="0"/>
           </a:p>
@@ -4926,7 +4933,7 @@
             <a:fld id="{B61BEF0D-F0BB-DE4B-95CE-6DB70DBA9567}" type="datetimeFigureOut">
               <a:rPr lang="en-US" dirty="0"/>
               <a:pPr/>
-              <a:t>6/25/20</a:t>
+              <a:t>6/26/20</a:t>
             </a:fld>
             <a:endParaRPr lang="en-US" dirty="0"/>
           </a:p>
@@ -5274,7 +5281,7 @@
             <a:fld id="{B61BEF0D-F0BB-DE4B-95CE-6DB70DBA9567}" type="datetimeFigureOut">
               <a:rPr lang="en-US" dirty="0"/>
               <a:pPr/>
-              <a:t>6/25/20</a:t>
+              <a:t>6/26/20</a:t>
             </a:fld>
             <a:endParaRPr lang="en-US" dirty="0"/>
           </a:p>
@@ -6400,6 +6407,252 @@
           <p:cNvPr id="2" name="Title 1">
             <a:extLst>
               <a:ext uri="{FF2B5EF4-FFF2-40B4-BE49-F238E27FC236}">
+                <a16:creationId xmlns:a16="http://schemas.microsoft.com/office/drawing/2014/main" id="{A1D3AD05-F265-944C-AB07-CC24F94D3D37}"/>
+              </a:ext>
+            </a:extLst>
+          </p:cNvPr>
+          <p:cNvSpPr>
+            <a:spLocks noGrp="1"/>
+          </p:cNvSpPr>
+          <p:nvPr>
+            <p:ph type="title"/>
+          </p:nvPr>
+        </p:nvSpPr>
+        <p:spPr/>
+        <p:txBody>
+          <a:bodyPr/>
+          <a:lstStyle/>
+          <a:p>
+            <a:r>
+              <a:rPr lang="en-US" dirty="0"/>
+              <a:t>Imperative</a:t>
+            </a:r>
+          </a:p>
+        </p:txBody>
+      </p:sp>
+      <p:sp>
+        <p:nvSpPr>
+          <p:cNvPr id="3" name="Content Placeholder 2">
+            <a:extLst>
+              <a:ext uri="{FF2B5EF4-FFF2-40B4-BE49-F238E27FC236}">
+                <a16:creationId xmlns:a16="http://schemas.microsoft.com/office/drawing/2014/main" id="{97298343-1EAE-774B-899B-70535913916E}"/>
+              </a:ext>
+            </a:extLst>
+          </p:cNvPr>
+          <p:cNvSpPr>
+            <a:spLocks noGrp="1"/>
+          </p:cNvSpPr>
+          <p:nvPr>
+            <p:ph idx="1"/>
+          </p:nvPr>
+        </p:nvSpPr>
+        <p:spPr>
+          <a:xfrm>
+            <a:off x="1295402" y="2407845"/>
+            <a:ext cx="9601196" cy="3635146"/>
+          </a:xfrm>
+        </p:spPr>
+        <p:txBody>
+          <a:bodyPr>
+            <a:normAutofit/>
+          </a:bodyPr>
+          <a:lstStyle/>
+          <a:p>
+            <a:r>
+              <a:rPr lang="en-US" dirty="0"/>
+              <a:t>Imperative is about the HOW</a:t>
+            </a:r>
+          </a:p>
+          <a:p>
+            <a:r>
+              <a:rPr lang="en-US" dirty="0"/>
+              <a:t>For example, if I was writing an imperative program for building a house, it would go something like this:</a:t>
+            </a:r>
+          </a:p>
+          <a:p>
+            <a:pPr lvl="1"/>
+            <a:r>
+              <a:rPr lang="en-US" dirty="0"/>
+              <a:t>Build the foundation</a:t>
+            </a:r>
+          </a:p>
+          <a:p>
+            <a:pPr lvl="1"/>
+            <a:r>
+              <a:rPr lang="en-US" dirty="0"/>
+              <a:t>Put in the framework</a:t>
+            </a:r>
+          </a:p>
+          <a:p>
+            <a:pPr lvl="1"/>
+            <a:r>
+              <a:rPr lang="en-US" dirty="0"/>
+              <a:t>Install the utilities</a:t>
+            </a:r>
+          </a:p>
+          <a:p>
+            <a:pPr lvl="1"/>
+            <a:r>
+              <a:rPr lang="en-US" dirty="0"/>
+              <a:t>Add the walls</a:t>
+            </a:r>
+          </a:p>
+          <a:p>
+            <a:pPr lvl="1"/>
+            <a:r>
+              <a:rPr lang="en-US" dirty="0"/>
+              <a:t>Finishing touches</a:t>
+            </a:r>
+          </a:p>
+          <a:p>
+            <a:pPr lvl="1"/>
+            <a:endParaRPr lang="en-US" dirty="0"/>
+          </a:p>
+        </p:txBody>
+      </p:sp>
+    </p:spTree>
+    <p:extLst>
+      <p:ext uri="{BB962C8B-B14F-4D97-AF65-F5344CB8AC3E}">
+        <p14:creationId xmlns:p14="http://schemas.microsoft.com/office/powerpoint/2010/main" val="1049829991"/>
+      </p:ext>
+    </p:extLst>
+  </p:cSld>
+  <p:clrMapOvr>
+    <a:masterClrMapping/>
+  </p:clrMapOvr>
+</p:sld>
+</file>
+
+<file path=ppt/slides/slide5.xml><?xml version="1.0" encoding="utf-8"?>
+<p:sld xmlns:a="http://schemas.openxmlformats.org/drawingml/2006/main" xmlns:r="http://schemas.openxmlformats.org/officeDocument/2006/relationships" xmlns:p="http://schemas.openxmlformats.org/presentationml/2006/main">
+  <p:cSld>
+    <p:spTree>
+      <p:nvGrpSpPr>
+        <p:cNvPr id="1" name=""/>
+        <p:cNvGrpSpPr/>
+        <p:nvPr/>
+      </p:nvGrpSpPr>
+      <p:grpSpPr>
+        <a:xfrm>
+          <a:off x="0" y="0"/>
+          <a:ext cx="0" cy="0"/>
+          <a:chOff x="0" y="0"/>
+          <a:chExt cx="0" cy="0"/>
+        </a:xfrm>
+      </p:grpSpPr>
+      <p:sp>
+        <p:nvSpPr>
+          <p:cNvPr id="2" name="Title 1">
+            <a:extLst>
+              <a:ext uri="{FF2B5EF4-FFF2-40B4-BE49-F238E27FC236}">
+                <a16:creationId xmlns:a16="http://schemas.microsoft.com/office/drawing/2014/main" id="{8E5B532E-0E5F-9241-94B4-D71E1B9D8DF3}"/>
+              </a:ext>
+            </a:extLst>
+          </p:cNvPr>
+          <p:cNvSpPr>
+            <a:spLocks noGrp="1"/>
+          </p:cNvSpPr>
+          <p:nvPr>
+            <p:ph type="title"/>
+          </p:nvPr>
+        </p:nvSpPr>
+        <p:spPr/>
+        <p:txBody>
+          <a:bodyPr/>
+          <a:lstStyle/>
+          <a:p>
+            <a:r>
+              <a:rPr lang="en-US" dirty="0"/>
+              <a:t>Declarative</a:t>
+            </a:r>
+          </a:p>
+        </p:txBody>
+      </p:sp>
+      <p:sp>
+        <p:nvSpPr>
+          <p:cNvPr id="3" name="Content Placeholder 2">
+            <a:extLst>
+              <a:ext uri="{FF2B5EF4-FFF2-40B4-BE49-F238E27FC236}">
+                <a16:creationId xmlns:a16="http://schemas.microsoft.com/office/drawing/2014/main" id="{9999A0C6-1D67-E34C-8678-981A95EDA82D}"/>
+              </a:ext>
+            </a:extLst>
+          </p:cNvPr>
+          <p:cNvSpPr>
+            <a:spLocks noGrp="1"/>
+          </p:cNvSpPr>
+          <p:nvPr>
+            <p:ph idx="1"/>
+          </p:nvPr>
+        </p:nvSpPr>
+        <p:spPr/>
+        <p:txBody>
+          <a:bodyPr/>
+          <a:lstStyle/>
+          <a:p>
+            <a:r>
+              <a:rPr lang="en-US" dirty="0"/>
+              <a:t>Declarative is about the WHAT</a:t>
+            </a:r>
+          </a:p>
+          <a:p>
+            <a:r>
+              <a:rPr lang="en-US" dirty="0"/>
+              <a:t>Building a house declaratively would include the following steps:</a:t>
+            </a:r>
+          </a:p>
+          <a:p>
+            <a:pPr lvl="1"/>
+            <a:r>
+              <a:rPr lang="en-US" dirty="0"/>
+              <a:t>I don’t care how you build it, but I want a nice fireplace, a lakefront view, and a big kitchen.</a:t>
+            </a:r>
+          </a:p>
+          <a:p>
+            <a:pPr marL="457200" lvl="1" indent="0">
+              <a:buNone/>
+            </a:pPr>
+            <a:r>
+              <a:rPr lang="en-US" dirty="0"/>
+              <a:t>In this declarative program, I have told you the outputs that I want. I know that if I give you inputs in the form of money, I will get the desired outputs.</a:t>
+            </a:r>
+          </a:p>
+        </p:txBody>
+      </p:sp>
+    </p:spTree>
+    <p:extLst>
+      <p:ext uri="{BB962C8B-B14F-4D97-AF65-F5344CB8AC3E}">
+        <p14:creationId xmlns:p14="http://schemas.microsoft.com/office/powerpoint/2010/main" val="1022339213"/>
+      </p:ext>
+    </p:extLst>
+  </p:cSld>
+  <p:clrMapOvr>
+    <a:masterClrMapping/>
+  </p:clrMapOvr>
+</p:sld>
+</file>
+
+<file path=ppt/slides/slide6.xml><?xml version="1.0" encoding="utf-8"?>
+<p:sld xmlns:a="http://schemas.openxmlformats.org/drawingml/2006/main" xmlns:r="http://schemas.openxmlformats.org/officeDocument/2006/relationships" xmlns:p="http://schemas.openxmlformats.org/presentationml/2006/main">
+  <p:cSld>
+    <p:spTree>
+      <p:nvGrpSpPr>
+        <p:cNvPr id="1" name=""/>
+        <p:cNvGrpSpPr/>
+        <p:nvPr/>
+      </p:nvGrpSpPr>
+      <p:grpSpPr>
+        <a:xfrm>
+          <a:off x="0" y="0"/>
+          <a:ext cx="0" cy="0"/>
+          <a:chOff x="0" y="0"/>
+          <a:chExt cx="0" cy="0"/>
+        </a:xfrm>
+      </p:grpSpPr>
+      <p:sp>
+        <p:nvSpPr>
+          <p:cNvPr id="2" name="Title 1">
+            <a:extLst>
+              <a:ext uri="{FF2B5EF4-FFF2-40B4-BE49-F238E27FC236}">
                 <a16:creationId xmlns:a16="http://schemas.microsoft.com/office/drawing/2014/main" id="{FF1AA3D2-510E-E34E-8178-0D49F1AD81B7}"/>
               </a:ext>
             </a:extLst>
@@ -6491,7 +6744,7 @@
 </p:sld>
 </file>
 
-<file path=ppt/slides/slide5.xml><?xml version="1.0" encoding="utf-8"?>
+<file path=ppt/slides/slide7.xml><?xml version="1.0" encoding="utf-8"?>
 <p:sld xmlns:a="http://schemas.openxmlformats.org/drawingml/2006/main" xmlns:r="http://schemas.openxmlformats.org/officeDocument/2006/relationships" xmlns:p="http://schemas.openxmlformats.org/presentationml/2006/main">
   <p:cSld>
     <p:spTree>
